--- a/clases/Unidad III Ordenaciones_PCA.pptx
+++ b/clases/Unidad III Ordenaciones_PCA.pptx
@@ -148,12 +148,12 @@
   <pc:docChgLst>
     <pc:chgData name="edlin guerra" userId="d52177a9150211f7" providerId="LiveId" clId="{314D6660-7641-40B8-9F4A-2C6EA6C9E244}"/>
     <pc:docChg chg="custSel modSld">
-      <pc:chgData name="edlin guerra" userId="d52177a9150211f7" providerId="LiveId" clId="{314D6660-7641-40B8-9F4A-2C6EA6C9E244}" dt="2024-06-19T03:55:10.964" v="1" actId="478"/>
+      <pc:chgData name="edlin guerra" userId="d52177a9150211f7" providerId="LiveId" clId="{314D6660-7641-40B8-9F4A-2C6EA6C9E244}" dt="2024-06-19T14:43:59.289" v="2" actId="478"/>
       <pc:docMkLst>
         <pc:docMk/>
       </pc:docMkLst>
       <pc:sldChg chg="addSp delSp modSp mod">
-        <pc:chgData name="edlin guerra" userId="d52177a9150211f7" providerId="LiveId" clId="{314D6660-7641-40B8-9F4A-2C6EA6C9E244}" dt="2024-06-19T03:55:10.964" v="1" actId="478"/>
+        <pc:chgData name="edlin guerra" userId="d52177a9150211f7" providerId="LiveId" clId="{314D6660-7641-40B8-9F4A-2C6EA6C9E244}" dt="2024-06-19T14:43:59.289" v="2" actId="478"/>
         <pc:sldMkLst>
           <pc:docMk/>
           <pc:sldMk cId="4155481783" sldId="501"/>
@@ -172,6 +172,14 @@
             <pc:docMk/>
             <pc:sldMk cId="4155481783" sldId="501"/>
             <ac:spMk id="6" creationId="{14ACC5A4-670C-BFE5-5D44-F02C45B6E496}"/>
+          </ac:spMkLst>
+        </pc:spChg>
+        <pc:spChg chg="del">
+          <ac:chgData name="edlin guerra" userId="d52177a9150211f7" providerId="LiveId" clId="{314D6660-7641-40B8-9F4A-2C6EA6C9E244}" dt="2024-06-19T14:43:59.289" v="2" actId="478"/>
+          <ac:spMkLst>
+            <pc:docMk/>
+            <pc:sldMk cId="4155481783" sldId="501"/>
+            <ac:spMk id="8" creationId="{2EBF1D10-6B0C-4AE1-8DF1-351E778A1488}"/>
           </ac:spMkLst>
         </pc:spChg>
       </pc:sldChg>
@@ -1038,7 +1046,7 @@
           <a:p>
             <a:fld id="{E21DE5AD-308E-436B-833E-FB454D0A69A7}" type="datetimeFigureOut">
               <a:rPr lang="es-MX" smtClean="0"/>
-              <a:t>18/06/2024</a:t>
+              <a:t>19/06/2024</a:t>
             </a:fld>
             <a:endParaRPr lang="es-MX"/>
           </a:p>
@@ -1238,7 +1246,7 @@
           <a:p>
             <a:fld id="{E21DE5AD-308E-436B-833E-FB454D0A69A7}" type="datetimeFigureOut">
               <a:rPr lang="es-MX" smtClean="0"/>
-              <a:t>18/06/2024</a:t>
+              <a:t>19/06/2024</a:t>
             </a:fld>
             <a:endParaRPr lang="es-MX"/>
           </a:p>
@@ -1448,7 +1456,7 @@
           <a:p>
             <a:fld id="{E21DE5AD-308E-436B-833E-FB454D0A69A7}" type="datetimeFigureOut">
               <a:rPr lang="es-MX" smtClean="0"/>
-              <a:t>18/06/2024</a:t>
+              <a:t>19/06/2024</a:t>
             </a:fld>
             <a:endParaRPr lang="es-MX"/>
           </a:p>
@@ -1648,7 +1656,7 @@
           <a:p>
             <a:fld id="{E21DE5AD-308E-436B-833E-FB454D0A69A7}" type="datetimeFigureOut">
               <a:rPr lang="es-MX" smtClean="0"/>
-              <a:t>18/06/2024</a:t>
+              <a:t>19/06/2024</a:t>
             </a:fld>
             <a:endParaRPr lang="es-MX"/>
           </a:p>
@@ -1924,7 +1932,7 @@
           <a:p>
             <a:fld id="{E21DE5AD-308E-436B-833E-FB454D0A69A7}" type="datetimeFigureOut">
               <a:rPr lang="es-MX" smtClean="0"/>
-              <a:t>18/06/2024</a:t>
+              <a:t>19/06/2024</a:t>
             </a:fld>
             <a:endParaRPr lang="es-MX"/>
           </a:p>
@@ -2192,7 +2200,7 @@
           <a:p>
             <a:fld id="{E21DE5AD-308E-436B-833E-FB454D0A69A7}" type="datetimeFigureOut">
               <a:rPr lang="es-MX" smtClean="0"/>
-              <a:t>18/06/2024</a:t>
+              <a:t>19/06/2024</a:t>
             </a:fld>
             <a:endParaRPr lang="es-MX"/>
           </a:p>
@@ -2607,7 +2615,7 @@
           <a:p>
             <a:fld id="{E21DE5AD-308E-436B-833E-FB454D0A69A7}" type="datetimeFigureOut">
               <a:rPr lang="es-MX" smtClean="0"/>
-              <a:t>18/06/2024</a:t>
+              <a:t>19/06/2024</a:t>
             </a:fld>
             <a:endParaRPr lang="es-MX"/>
           </a:p>
@@ -2749,7 +2757,7 @@
           <a:p>
             <a:fld id="{E21DE5AD-308E-436B-833E-FB454D0A69A7}" type="datetimeFigureOut">
               <a:rPr lang="es-MX" smtClean="0"/>
-              <a:t>18/06/2024</a:t>
+              <a:t>19/06/2024</a:t>
             </a:fld>
             <a:endParaRPr lang="es-MX"/>
           </a:p>
@@ -2862,7 +2870,7 @@
           <a:p>
             <a:fld id="{E21DE5AD-308E-436B-833E-FB454D0A69A7}" type="datetimeFigureOut">
               <a:rPr lang="es-MX" smtClean="0"/>
-              <a:t>18/06/2024</a:t>
+              <a:t>19/06/2024</a:t>
             </a:fld>
             <a:endParaRPr lang="es-MX"/>
           </a:p>
@@ -3175,7 +3183,7 @@
           <a:p>
             <a:fld id="{E21DE5AD-308E-436B-833E-FB454D0A69A7}" type="datetimeFigureOut">
               <a:rPr lang="es-MX" smtClean="0"/>
-              <a:t>18/06/2024</a:t>
+              <a:t>19/06/2024</a:t>
             </a:fld>
             <a:endParaRPr lang="es-MX"/>
           </a:p>
@@ -3464,7 +3472,7 @@
           <a:p>
             <a:fld id="{E21DE5AD-308E-436B-833E-FB454D0A69A7}" type="datetimeFigureOut">
               <a:rPr lang="es-MX" smtClean="0"/>
-              <a:t>18/06/2024</a:t>
+              <a:t>19/06/2024</a:t>
             </a:fld>
             <a:endParaRPr lang="es-MX"/>
           </a:p>
@@ -3707,7 +3715,7 @@
           <a:p>
             <a:fld id="{E21DE5AD-308E-436B-833E-FB454D0A69A7}" type="datetimeFigureOut">
               <a:rPr lang="es-MX" smtClean="0"/>
-              <a:t>18/06/2024</a:t>
+              <a:t>19/06/2024</a:t>
             </a:fld>
             <a:endParaRPr lang="es-MX"/>
           </a:p>
@@ -4196,42 +4204,6 @@
           </a:prstGeom>
         </p:spPr>
       </p:pic>
-      <p:sp>
-        <p:nvSpPr>
-          <p:cNvPr id="8" name="CuadroTexto 7">
-            <a:extLst>
-              <a:ext uri="{FF2B5EF4-FFF2-40B4-BE49-F238E27FC236}">
-                <a16:creationId xmlns:a16="http://schemas.microsoft.com/office/drawing/2014/main" id="{2EBF1D10-6B0C-4AE1-8DF1-351E778A1488}"/>
-              </a:ext>
-            </a:extLst>
-          </p:cNvPr>
-          <p:cNvSpPr txBox="1"/>
-          <p:nvPr/>
-        </p:nvSpPr>
-        <p:spPr>
-          <a:xfrm>
-            <a:off x="2162412" y="138775"/>
-            <a:ext cx="5859487" cy="646331"/>
-          </a:xfrm>
-          <a:prstGeom prst="rect">
-            <a:avLst/>
-          </a:prstGeom>
-          <a:noFill/>
-        </p:spPr>
-        <p:txBody>
-          <a:bodyPr wrap="square" rtlCol="0">
-            <a:spAutoFit/>
-          </a:bodyPr>
-          <a:lstStyle/>
-          <a:p>
-            <a:pPr algn="ctr"/>
-            <a:r>
-              <a:rPr lang="es-MX" sz="3600"/>
-              <a:t>Licenciatura en Ecología</a:t>
-            </a:r>
-          </a:p>
-        </p:txBody>
-      </p:sp>
       <p:sp>
         <p:nvSpPr>
           <p:cNvPr id="4" name="CuadroTexto 3">
